--- a/glossaryDITANA/Glossary_DITANA2019.pptx
+++ b/glossaryDITANA/Glossary_DITANA2019.pptx
@@ -5,12 +5,14 @@
     <p:sldMasterId id="2147483648" r:id="rId1"/>
   </p:sldMasterIdLst>
   <p:notesMasterIdLst>
-    <p:notesMasterId r:id="rId5"/>
+    <p:notesMasterId r:id="rId7"/>
   </p:notesMasterIdLst>
   <p:sldIdLst>
     <p:sldId id="256" r:id="rId2"/>
     <p:sldId id="257" r:id="rId3"/>
-    <p:sldId id="258" r:id="rId4"/>
+    <p:sldId id="259" r:id="rId4"/>
+    <p:sldId id="260" r:id="rId5"/>
+    <p:sldId id="258" r:id="rId6"/>
   </p:sldIdLst>
   <p:sldSz cx="12192000" cy="6858000"/>
   <p:notesSz cx="6858000" cy="9144000"/>
@@ -627,6 +629,90 @@
             <a:fld id="{2208641E-142F-D84A-94C4-AB0E77C6CCA4}" type="slidenum">
               <a:rPr lang="en-US" smtClean="0"/>
               <a:t>3</a:t>
+            </a:fld>
+            <a:endParaRPr lang="en-US"/>
+          </a:p>
+        </p:txBody>
+      </p:sp>
+    </p:spTree>
+    <p:extLst>
+      <p:ext uri="{BB962C8B-B14F-4D97-AF65-F5344CB8AC3E}">
+        <p14:creationId xmlns:p14="http://schemas.microsoft.com/office/powerpoint/2010/main" val="1292912911"/>
+      </p:ext>
+    </p:extLst>
+  </p:cSld>
+  <p:clrMapOvr>
+    <a:masterClrMapping/>
+  </p:clrMapOvr>
+</p:notes>
+</file>
+
+<file path=ppt/notesSlides/notesSlide3.xml><?xml version="1.0" encoding="utf-8"?>
+<p:notes xmlns:a="http://schemas.openxmlformats.org/drawingml/2006/main" xmlns:r="http://schemas.openxmlformats.org/officeDocument/2006/relationships" xmlns:p="http://schemas.openxmlformats.org/presentationml/2006/main">
+  <p:cSld>
+    <p:spTree>
+      <p:nvGrpSpPr>
+        <p:cNvPr id="1" name=""/>
+        <p:cNvGrpSpPr/>
+        <p:nvPr/>
+      </p:nvGrpSpPr>
+      <p:grpSpPr>
+        <a:xfrm>
+          <a:off x="0" y="0"/>
+          <a:ext cx="0" cy="0"/>
+          <a:chOff x="0" y="0"/>
+          <a:chExt cx="0" cy="0"/>
+        </a:xfrm>
+      </p:grpSpPr>
+      <p:sp>
+        <p:nvSpPr>
+          <p:cNvPr id="2" name="Slide Image Placeholder 1"/>
+          <p:cNvSpPr>
+            <a:spLocks noGrp="1" noRot="1" noChangeAspect="1"/>
+          </p:cNvSpPr>
+          <p:nvPr>
+            <p:ph type="sldImg"/>
+          </p:nvPr>
+        </p:nvSpPr>
+        <p:spPr/>
+      </p:sp>
+      <p:sp>
+        <p:nvSpPr>
+          <p:cNvPr id="3" name="Notes Placeholder 2"/>
+          <p:cNvSpPr>
+            <a:spLocks noGrp="1"/>
+          </p:cNvSpPr>
+          <p:nvPr>
+            <p:ph type="body" idx="1"/>
+          </p:nvPr>
+        </p:nvSpPr>
+        <p:spPr/>
+        <p:txBody>
+          <a:bodyPr/>
+          <a:lstStyle/>
+          <a:p>
+            <a:endParaRPr lang="en-US" dirty="0"/>
+          </a:p>
+        </p:txBody>
+      </p:sp>
+      <p:sp>
+        <p:nvSpPr>
+          <p:cNvPr id="4" name="Slide Number Placeholder 3"/>
+          <p:cNvSpPr>
+            <a:spLocks noGrp="1"/>
+          </p:cNvSpPr>
+          <p:nvPr>
+            <p:ph type="sldNum" sz="quarter" idx="5"/>
+          </p:nvPr>
+        </p:nvSpPr>
+        <p:spPr/>
+        <p:txBody>
+          <a:bodyPr/>
+          <a:lstStyle/>
+          <a:p>
+            <a:fld id="{2208641E-142F-D84A-94C4-AB0E77C6CCA4}" type="slidenum">
+              <a:rPr lang="en-US" smtClean="0"/>
+              <a:t>5</a:t>
             </a:fld>
             <a:endParaRPr lang="en-US"/>
           </a:p>
@@ -4094,11 +4180,248 @@
           <a:lstStyle/>
           <a:p>
             <a:r>
-              <a:rPr lang="en-US" dirty="0" err="1"/>
+              <a:rPr lang="en-US" b="1" dirty="0">
+                <a:latin typeface="Arial" panose="020B0604020202020204" pitchFamily="34" charset="0"/>
+                <a:cs typeface="Arial" panose="020B0604020202020204" pitchFamily="34" charset="0"/>
+              </a:rPr>
+              <a:t>So what isn’t a DITA glossary?</a:t>
+            </a:r>
+          </a:p>
+        </p:txBody>
+      </p:sp>
+      <p:sp>
+        <p:nvSpPr>
+          <p:cNvPr id="3" name="Content Placeholder 2">
+            <a:extLst>
+              <a:ext uri="{FF2B5EF4-FFF2-40B4-BE49-F238E27FC236}">
+                <a16:creationId xmlns:a16="http://schemas.microsoft.com/office/drawing/2014/main" id="{C3BACCF3-91BB-354E-893B-FF3E0DC045C6}"/>
+              </a:ext>
+            </a:extLst>
+          </p:cNvPr>
+          <p:cNvSpPr>
+            <a:spLocks noGrp="1"/>
+          </p:cNvSpPr>
+          <p:nvPr>
+            <p:ph idx="1"/>
+          </p:nvPr>
+        </p:nvSpPr>
+        <p:spPr/>
+        <p:txBody>
+          <a:bodyPr>
+            <a:normAutofit/>
+          </a:bodyPr>
+          <a:lstStyle/>
+          <a:p>
+            <a:r>
+              <a:rPr lang="en-US" i="1" dirty="0"/>
+              <a:t>Formal term list as used in terminology management tools like </a:t>
+            </a:r>
+            <a:r>
+              <a:rPr lang="en-US" i="1" dirty="0" err="1"/>
+              <a:t>Congree</a:t>
+            </a:r>
+            <a:r>
+              <a:rPr lang="en-US" i="1" dirty="0"/>
+              <a:t> or </a:t>
+            </a:r>
+            <a:r>
+              <a:rPr lang="en-US" i="1" dirty="0" err="1"/>
+              <a:t>Acrolinx</a:t>
+            </a:r>
+            <a:r>
+              <a:rPr lang="en-US" i="1" dirty="0"/>
+              <a:t> </a:t>
+            </a:r>
+          </a:p>
+          <a:p>
+            <a:pPr lvl="1"/>
+            <a:r>
+              <a:rPr lang="en-US" i="1" dirty="0"/>
+              <a:t>Terminology management is a separate concern from glossary authoring</a:t>
+            </a:r>
+          </a:p>
+        </p:txBody>
+      </p:sp>
+    </p:spTree>
+    <p:extLst>
+      <p:ext uri="{BB962C8B-B14F-4D97-AF65-F5344CB8AC3E}">
+        <p14:creationId xmlns:p14="http://schemas.microsoft.com/office/powerpoint/2010/main" val="2319922720"/>
+      </p:ext>
+    </p:extLst>
+  </p:cSld>
+  <p:clrMapOvr>
+    <a:masterClrMapping/>
+  </p:clrMapOvr>
+</p:sld>
+</file>
+
+<file path=ppt/slides/slide4.xml><?xml version="1.0" encoding="utf-8"?>
+<p:sld xmlns:a="http://schemas.openxmlformats.org/drawingml/2006/main" xmlns:r="http://schemas.openxmlformats.org/officeDocument/2006/relationships" xmlns:p="http://schemas.openxmlformats.org/presentationml/2006/main">
+  <p:cSld>
+    <p:spTree>
+      <p:nvGrpSpPr>
+        <p:cNvPr id="1" name=""/>
+        <p:cNvGrpSpPr/>
+        <p:nvPr/>
+      </p:nvGrpSpPr>
+      <p:grpSpPr>
+        <a:xfrm>
+          <a:off x="0" y="0"/>
+          <a:ext cx="0" cy="0"/>
+          <a:chOff x="0" y="0"/>
+          <a:chExt cx="0" cy="0"/>
+        </a:xfrm>
+      </p:grpSpPr>
+      <p:sp>
+        <p:nvSpPr>
+          <p:cNvPr id="2" name="Title 1">
+            <a:extLst>
+              <a:ext uri="{FF2B5EF4-FFF2-40B4-BE49-F238E27FC236}">
+                <a16:creationId xmlns:a16="http://schemas.microsoft.com/office/drawing/2014/main" id="{6EA1DBDA-C12A-6844-A508-EB145E273EDF}"/>
+              </a:ext>
+            </a:extLst>
+          </p:cNvPr>
+          <p:cNvSpPr>
+            <a:spLocks noGrp="1"/>
+          </p:cNvSpPr>
+          <p:nvPr>
+            <p:ph type="title"/>
+          </p:nvPr>
+        </p:nvSpPr>
+        <p:spPr/>
+        <p:txBody>
+          <a:bodyPr/>
+          <a:lstStyle/>
+          <a:p>
+            <a:r>
+              <a:rPr lang="en-US" b="1" dirty="0">
+                <a:latin typeface="Arial" panose="020B0604020202020204" pitchFamily="34" charset="0"/>
+                <a:cs typeface="Arial" panose="020B0604020202020204" pitchFamily="34" charset="0"/>
+              </a:rPr>
+              <a:t>Wait? Wasn’t there a Glossary Talk last year?</a:t>
+            </a:r>
+          </a:p>
+        </p:txBody>
+      </p:sp>
+      <p:sp>
+        <p:nvSpPr>
+          <p:cNvPr id="3" name="Content Placeholder 2">
+            <a:extLst>
+              <a:ext uri="{FF2B5EF4-FFF2-40B4-BE49-F238E27FC236}">
+                <a16:creationId xmlns:a16="http://schemas.microsoft.com/office/drawing/2014/main" id="{34B7230A-EB41-3742-84C4-CF5EE5AC327C}"/>
+              </a:ext>
+            </a:extLst>
+          </p:cNvPr>
+          <p:cNvSpPr>
+            <a:spLocks noGrp="1"/>
+          </p:cNvSpPr>
+          <p:nvPr>
+            <p:ph idx="1"/>
+          </p:nvPr>
+        </p:nvSpPr>
+        <p:spPr/>
+        <p:txBody>
+          <a:bodyPr/>
+          <a:lstStyle/>
+          <a:p>
+            <a:r>
+              <a:rPr lang="en-US" dirty="0"/>
+              <a:t>Yes! </a:t>
+            </a:r>
+          </a:p>
+          <a:p>
+            <a:pPr lvl="1"/>
+            <a:r>
+              <a:rPr lang="en-US" dirty="0"/>
+              <a:t>And it’s why there’s another one this year. </a:t>
+            </a:r>
+          </a:p>
+          <a:p>
+            <a:pPr lvl="1"/>
+            <a:r>
+              <a:rPr lang="en-US" dirty="0"/>
+              <a:t>I was excited after Eliot’s talk and wanted to get glossary working on some things I was working on.</a:t>
+            </a:r>
+          </a:p>
+          <a:p>
+            <a:pPr lvl="1"/>
+            <a:r>
+              <a:rPr lang="en-US" dirty="0"/>
+              <a:t>That was a failure. </a:t>
+            </a:r>
+          </a:p>
+          <a:p>
+            <a:pPr lvl="1"/>
+            <a:r>
+              <a:rPr lang="en-US" dirty="0"/>
+              <a:t>But why?</a:t>
+            </a:r>
+          </a:p>
+        </p:txBody>
+      </p:sp>
+    </p:spTree>
+    <p:extLst>
+      <p:ext uri="{BB962C8B-B14F-4D97-AF65-F5344CB8AC3E}">
+        <p14:creationId xmlns:p14="http://schemas.microsoft.com/office/powerpoint/2010/main" val="2393456928"/>
+      </p:ext>
+    </p:extLst>
+  </p:cSld>
+  <p:clrMapOvr>
+    <a:masterClrMapping/>
+  </p:clrMapOvr>
+</p:sld>
+</file>
+
+<file path=ppt/slides/slide5.xml><?xml version="1.0" encoding="utf-8"?>
+<p:sld xmlns:a="http://schemas.openxmlformats.org/drawingml/2006/main" xmlns:r="http://schemas.openxmlformats.org/officeDocument/2006/relationships" xmlns:p="http://schemas.openxmlformats.org/presentationml/2006/main">
+  <p:cSld>
+    <p:spTree>
+      <p:nvGrpSpPr>
+        <p:cNvPr id="1" name=""/>
+        <p:cNvGrpSpPr/>
+        <p:nvPr/>
+      </p:nvGrpSpPr>
+      <p:grpSpPr>
+        <a:xfrm>
+          <a:off x="0" y="0"/>
+          <a:ext cx="0" cy="0"/>
+          <a:chOff x="0" y="0"/>
+          <a:chExt cx="0" cy="0"/>
+        </a:xfrm>
+      </p:grpSpPr>
+      <p:sp>
+        <p:nvSpPr>
+          <p:cNvPr id="2" name="Title 1">
+            <a:extLst>
+              <a:ext uri="{FF2B5EF4-FFF2-40B4-BE49-F238E27FC236}">
+                <a16:creationId xmlns:a16="http://schemas.microsoft.com/office/drawing/2014/main" id="{D40A62C4-316D-954F-945E-467949451F5A}"/>
+              </a:ext>
+            </a:extLst>
+          </p:cNvPr>
+          <p:cNvSpPr>
+            <a:spLocks noGrp="1"/>
+          </p:cNvSpPr>
+          <p:nvPr>
+            <p:ph type="title"/>
+          </p:nvPr>
+        </p:nvSpPr>
+        <p:spPr/>
+        <p:txBody>
+          <a:bodyPr/>
+          <a:lstStyle/>
+          <a:p>
+            <a:r>
+              <a:rPr lang="en-US" b="1" dirty="0" err="1">
+                <a:latin typeface="Arial" panose="020B0604020202020204" pitchFamily="34" charset="0"/>
+                <a:cs typeface="Arial" panose="020B0604020202020204" pitchFamily="34" charset="0"/>
+              </a:rPr>
               <a:t>Glossentry</a:t>
             </a:r>
             <a:r>
-              <a:rPr lang="en-US" dirty="0"/>
+              <a:rPr lang="en-US" b="1" dirty="0">
+                <a:latin typeface="Arial" panose="020B0604020202020204" pitchFamily="34" charset="0"/>
+                <a:cs typeface="Arial" panose="020B0604020202020204" pitchFamily="34" charset="0"/>
+              </a:rPr>
               <a:t>?</a:t>
             </a:r>
           </a:p>
